--- a/PPT/JS/15JavaScript 事件2.pptx
+++ b/PPT/JS/15JavaScript 事件2.pptx
@@ -123,6 +123,11 @@
       </a:defRPr>
     </a:lvl9pPr>
   </p:defaultTextStyle>
+  <p:extLst>
+    <p:ext uri="{505F2C04-C923-438B-8C0F-E0CD2BADF298}">
+      <wppc:fontMiss xmlns:wppc="http://www.wps.cn/officeDocument/PresentationCustomData" type="true"/>
+    </p:ext>
+  </p:extLst>
 </p:presentation>
 </file>
 
@@ -30477,7 +30482,31 @@
                 <a:ea typeface="宋体" panose="02010600030101010101" pitchFamily="2" charset="-122"/>
                 <a:sym typeface="Arial" panose="020B0604020202020204" pitchFamily="34" charset="0"/>
               </a:rPr>
-              <a:t>是从外往里逐个触发。那么现代的浏览器 默认情况下都是冒泡模型</a:t>
+              <a:t>是从外往里逐个触发。</a:t>
+            </a:r>
+            <a:endParaRPr b="1" dirty="0">
+              <a:latin typeface="宋体" panose="02010600030101010101" pitchFamily="2" charset="-122"/>
+              <a:ea typeface="宋体" panose="02010600030101010101" pitchFamily="2" charset="-122"/>
+              <a:sym typeface="Arial" panose="020B0604020202020204" pitchFamily="34" charset="0"/>
+            </a:endParaRPr>
+          </a:p>
+          <a:p>
+            <a:pPr indent="-533400" algn="l" eaLnBrk="0" fontAlgn="auto" hangingPunct="0">
+              <a:spcBef>
+                <a:spcPts val="0"/>
+              </a:spcBef>
+              <a:buClr>
+                <a:srgbClr val="003366"/>
+              </a:buClr>
+              <a:buSzPct val="90000"/>
+            </a:pPr>
+            <a:r>
+              <a:rPr b="1" dirty="0">
+                <a:latin typeface="宋体" panose="02010600030101010101" pitchFamily="2" charset="-122"/>
+                <a:ea typeface="宋体" panose="02010600030101010101" pitchFamily="2" charset="-122"/>
+                <a:sym typeface="Arial" panose="020B0604020202020204" pitchFamily="34" charset="0"/>
+              </a:rPr>
+              <a:t>那么现代的浏览器 默认情况下都是冒泡模型</a:t>
             </a:r>
             <a:endParaRPr b="1" dirty="0">
               <a:latin typeface="宋体" panose="02010600030101010101" pitchFamily="2" charset="-122"/>
